--- a/Презентація до курсової роботи.pptx
+++ b/Презентація до курсової роботи.pptx
@@ -12,7 +12,8 @@
     <p:sldId id="261" r:id="rId6"/>
     <p:sldId id="262" r:id="rId7"/>
     <p:sldId id="263" r:id="rId8"/>
-    <p:sldId id="264" r:id="rId9"/>
+    <p:sldId id="265" r:id="rId9"/>
+    <p:sldId id="264" r:id="rId10"/>
   </p:sldIdLst>
   <p:sldSz cx="12192000" cy="6858000"/>
   <p:notesSz cx="6858000" cy="9144000"/>
@@ -111,6 +112,11 @@
       </a:defRPr>
     </a:lvl9pPr>
   </p:defaultTextStyle>
+  <p:extLst>
+    <p:ext uri="{EFAFB233-063F-42B5-8137-9DF3F51BA10A}">
+      <p15:sldGuideLst xmlns:p15="http://schemas.microsoft.com/office/powerpoint/2012/main"/>
+    </p:ext>
+  </p:extLst>
 </p:presentation>
 </file>
 
@@ -3066,6 +3072,13 @@
   <p:clrMapOvr>
     <a:masterClrMapping/>
   </p:clrMapOvr>
+  <p:timing>
+    <p:tnLst>
+      <p:par>
+        <p:cTn id="1" dur="indefinite" restart="never" nodeType="tmRoot"/>
+      </p:par>
+    </p:tnLst>
+  </p:timing>
 </p:sld>
 </file>
 
@@ -3142,7 +3155,19 @@
             </a:pPr>
             <a:r>
               <a:rPr lang="uk-UA" dirty="0"/>
-              <a:t>Фірмі що виробляє електротехніку потрібна інформаційна система, щоб організувати виробництво та закупку такої техніки. Бази даних, що створюються є схожими на картотеки, але на відміну від записної книжки можуть містити сотні і тисячі записів, що зберігають сукупність взаємопов’язаної інформації про ті чи інші об’єкти. Головна перевага, яку нам дає перехід до автоматизованого ведення бази даних – швидкий пошук необхідної інформації і представлення її в потрібній формі. Використання баз даних є однією з характерних рис більшості сучасних інформаційних систем. </a:t>
+              <a:t>Фірмі що виробляє електротехніку потрібна інформаційна система, щоб організувати виробництво та закупку </a:t>
+            </a:r>
+            <a:r>
+              <a:rPr lang="uk-UA" dirty="0" smtClean="0"/>
+              <a:t>складових</a:t>
+            </a:r>
+            <a:r>
+              <a:rPr lang="uk-UA" dirty="0" smtClean="0"/>
+              <a:t> </a:t>
+            </a:r>
+            <a:r>
+              <a:rPr lang="uk-UA" dirty="0"/>
+              <a:t>техніки. Бази даних, що створюються є схожими на картотеки, але на відміну від записної книжки можуть містити сотні і тисячі записів, що зберігають сукупність взаємопов’язаної інформації про ті чи інші об’єкти. Головна перевага, яку нам дає перехід до автоматизованого ведення бази даних – швидкий пошук необхідної інформації і представлення її в потрібній формі. Використання баз даних є однією з характерних рис більшості сучасних інформаційних систем. </a:t>
             </a:r>
             <a:r>
               <a:rPr lang="ru-RU" dirty="0"/>
@@ -3361,11 +3386,11 @@
   <p:clrMapOvr>
     <a:masterClrMapping/>
   </p:clrMapOvr>
-  <mc:AlternateContent xmlns:mc="http://schemas.openxmlformats.org/markup-compatibility/2006">
-    <mc:Choice xmlns:p14="http://schemas.microsoft.com/office/powerpoint/2010/main" Requires="p14">
+  <mc:AlternateContent xmlns:mc="http://schemas.openxmlformats.org/markup-compatibility/2006" xmlns:p14="http://schemas.microsoft.com/office/powerpoint/2010/main">
+    <mc:Choice Requires="p14">
       <p:transition p14:dur="0"/>
     </mc:Choice>
-    <mc:Fallback>
+    <mc:Fallback xmlns="">
       <p:transition/>
     </mc:Fallback>
   </mc:AlternateContent>
@@ -3565,6 +3590,13 @@
   <p:clrMapOvr>
     <a:masterClrMapping/>
   </p:clrMapOvr>
+  <p:timing>
+    <p:tnLst>
+      <p:par>
+        <p:cTn id="1" dur="indefinite" restart="never" nodeType="tmRoot"/>
+      </p:par>
+    </p:tnLst>
+  </p:timing>
 </p:sld>
 </file>
 
@@ -3833,6 +3865,13 @@
   <p:clrMapOvr>
     <a:masterClrMapping/>
   </p:clrMapOvr>
+  <p:timing>
+    <p:tnLst>
+      <p:par>
+        <p:cTn id="1" dur="indefinite" restart="never" nodeType="tmRoot"/>
+      </p:par>
+    </p:tnLst>
+  </p:timing>
 </p:sld>
 </file>
 
@@ -4247,6 +4286,13 @@
   <p:clrMapOvr>
     <a:masterClrMapping/>
   </p:clrMapOvr>
+  <p:timing>
+    <p:tnLst>
+      <p:par>
+        <p:cTn id="1" dur="indefinite" restart="never" nodeType="tmRoot"/>
+      </p:par>
+    </p:tnLst>
+  </p:timing>
 </p:sld>
 </file>
 
@@ -4458,6 +4504,13 @@
   <p:clrMapOvr>
     <a:masterClrMapping/>
   </p:clrMapOvr>
+  <p:timing>
+    <p:tnLst>
+      <p:par>
+        <p:cTn id="1" dur="indefinite" restart="never" nodeType="tmRoot"/>
+      </p:par>
+    </p:tnLst>
+  </p:timing>
 </p:sld>
 </file>
 
@@ -4511,8 +4564,8 @@
               <a:t> </a:t>
             </a:r>
             <a:r>
-              <a:rPr lang="uk-UA" b="1" dirty="0" err="1" smtClean="0"/>
-              <a:t>бд</a:t>
+              <a:rPr lang="uk-UA" b="1" dirty="0" smtClean="0"/>
+              <a:t>БД</a:t>
             </a:r>
             <a:endParaRPr lang="uk-UA" b="1" dirty="0"/>
           </a:p>
@@ -4554,6 +4607,13 @@
   <p:clrMapOvr>
     <a:masterClrMapping/>
   </p:clrMapOvr>
+  <p:timing>
+    <p:tnLst>
+      <p:par>
+        <p:cTn id="1" dur="indefinite" restart="never" nodeType="tmRoot"/>
+      </p:par>
+    </p:tnLst>
+  </p:timing>
 </p:sld>
 </file>
 
@@ -4584,12 +4644,94 @@
             <p:ph type="title"/>
           </p:nvPr>
         </p:nvSpPr>
+        <p:spPr/>
+        <p:txBody>
+          <a:bodyPr/>
+          <a:lstStyle/>
+          <a:p>
+            <a:pPr algn="ctr"/>
+            <a:r>
+              <a:rPr lang="uk-UA" b="1" dirty="0" smtClean="0"/>
+              <a:t>Приклади запитів до БД</a:t>
+            </a:r>
+            <a:endParaRPr lang="uk-UA" dirty="0"/>
+          </a:p>
+        </p:txBody>
+      </p:sp>
+      <p:pic>
+        <p:nvPicPr>
+          <p:cNvPr id="4" name="Місце для вмісту 3"/>
+          <p:cNvPicPr>
+            <a:picLocks noGrp="1" noChangeAspect="1"/>
+          </p:cNvPicPr>
+          <p:nvPr>
+            <p:ph idx="1"/>
+          </p:nvPr>
+        </p:nvPicPr>
+        <p:blipFill>
+          <a:blip r:embed="rId2"/>
+          <a:stretch>
+            <a:fillRect/>
+          </a:stretch>
+        </p:blipFill>
         <p:spPr>
           <a:xfrm>
-            <a:off x="1186542" y="2942862"/>
-            <a:ext cx="10515600" cy="1325563"/>
+            <a:off x="2253563" y="1825625"/>
+            <a:ext cx="7684873" cy="4351338"/>
           </a:xfrm>
+          <a:prstGeom prst="rect">
+            <a:avLst/>
+          </a:prstGeom>
         </p:spPr>
+      </p:pic>
+    </p:spTree>
+    <p:extLst>
+      <p:ext uri="{BB962C8B-B14F-4D97-AF65-F5344CB8AC3E}">
+        <p14:creationId xmlns:p14="http://schemas.microsoft.com/office/powerpoint/2010/main" val="3948028842"/>
+      </p:ext>
+    </p:extLst>
+  </p:cSld>
+  <p:clrMapOvr>
+    <a:masterClrMapping/>
+  </p:clrMapOvr>
+  <p:timing>
+    <p:tnLst>
+      <p:par>
+        <p:cTn id="1" dur="indefinite" restart="never" nodeType="tmRoot"/>
+      </p:par>
+    </p:tnLst>
+  </p:timing>
+</p:sld>
+</file>
+
+<file path=ppt/slides/slide9.xml><?xml version="1.0" encoding="utf-8"?>
+<p:sld xmlns:a="http://schemas.openxmlformats.org/drawingml/2006/main" xmlns:r="http://schemas.openxmlformats.org/officeDocument/2006/relationships" xmlns:p="http://schemas.openxmlformats.org/presentationml/2006/main">
+  <p:cSld>
+    <p:spTree>
+      <p:nvGrpSpPr>
+        <p:cNvPr id="1" name=""/>
+        <p:cNvGrpSpPr/>
+        <p:nvPr/>
+      </p:nvGrpSpPr>
+      <p:grpSpPr>
+        <a:xfrm>
+          <a:off x="0" y="0"/>
+          <a:ext cx="0" cy="0"/>
+          <a:chOff x="0" y="0"/>
+          <a:chExt cx="0" cy="0"/>
+        </a:xfrm>
+      </p:grpSpPr>
+      <p:sp>
+        <p:nvSpPr>
+          <p:cNvPr id="2" name="Заголовок 1"/>
+          <p:cNvSpPr>
+            <a:spLocks noGrp="1"/>
+          </p:cNvSpPr>
+          <p:nvPr>
+            <p:ph type="title"/>
+          </p:nvPr>
+        </p:nvSpPr>
+        <p:spPr/>
         <p:txBody>
           <a:bodyPr/>
           <a:lstStyle/>
@@ -4599,6 +4741,732 @@
               <a:rPr lang="uk-UA" dirty="0" smtClean="0"/>
               <a:t>Висновки</a:t>
             </a:r>
+            <a:endParaRPr lang="uk-UA" dirty="0"/>
+          </a:p>
+        </p:txBody>
+      </p:sp>
+      <p:sp>
+        <p:nvSpPr>
+          <p:cNvPr id="3" name="Місце для вмісту 2"/>
+          <p:cNvSpPr>
+            <a:spLocks noGrp="1"/>
+          </p:cNvSpPr>
+          <p:nvPr>
+            <p:ph idx="1"/>
+          </p:nvPr>
+        </p:nvSpPr>
+        <p:spPr/>
+        <p:txBody>
+          <a:bodyPr>
+            <a:normAutofit fontScale="77500" lnSpcReduction="20000"/>
+          </a:bodyPr>
+          <a:lstStyle/>
+          <a:p>
+            <a:pPr marL="0" indent="0">
+              <a:buNone/>
+            </a:pPr>
+            <a:r>
+              <a:rPr lang="uk-UA" dirty="0"/>
+              <a:t>Під час розробки проекту бази даних для фірми, що виробляє електротехніку були проведені дослідження і детальний аналіз предметної області, були створені функціональні, концептуальна, логічна і фізична моделі бази даних. </a:t>
+            </a:r>
+            <a:r>
+              <a:rPr lang="ru-RU" dirty="0" err="1"/>
+              <a:t>Також</a:t>
+            </a:r>
+            <a:r>
+              <a:rPr lang="ru-RU" dirty="0"/>
+              <a:t> </a:t>
+            </a:r>
+            <a:r>
+              <a:rPr lang="ru-RU" dirty="0" err="1"/>
+              <a:t>були</a:t>
+            </a:r>
+            <a:r>
+              <a:rPr lang="ru-RU" dirty="0"/>
+              <a:t> детально </a:t>
+            </a:r>
+            <a:r>
+              <a:rPr lang="ru-RU" dirty="0" err="1"/>
+              <a:t>проаналізовані</a:t>
+            </a:r>
+            <a:r>
+              <a:rPr lang="ru-RU" dirty="0"/>
+              <a:t> </a:t>
+            </a:r>
+            <a:r>
+              <a:rPr lang="ru-RU" dirty="0" err="1"/>
+              <a:t>всі</a:t>
+            </a:r>
+            <a:r>
+              <a:rPr lang="ru-RU" dirty="0"/>
+              <a:t> </a:t>
+            </a:r>
+            <a:r>
+              <a:rPr lang="ru-RU" dirty="0" err="1"/>
+              <a:t>елементи</a:t>
+            </a:r>
+            <a:r>
+              <a:rPr lang="ru-RU" dirty="0"/>
+              <a:t>, з </a:t>
+            </a:r>
+            <a:r>
+              <a:rPr lang="ru-RU" dirty="0" err="1"/>
+              <a:t>яких</a:t>
+            </a:r>
+            <a:r>
+              <a:rPr lang="ru-RU" dirty="0"/>
+              <a:t> </a:t>
+            </a:r>
+            <a:r>
+              <a:rPr lang="ru-RU" dirty="0" err="1"/>
+              <a:t>складається</a:t>
+            </a:r>
+            <a:r>
+              <a:rPr lang="ru-RU" dirty="0"/>
+              <a:t> </a:t>
+            </a:r>
+            <a:r>
+              <a:rPr lang="ru-RU" dirty="0" err="1"/>
+              <a:t>даний</a:t>
+            </a:r>
+            <a:r>
+              <a:rPr lang="ru-RU" dirty="0"/>
+              <a:t> </a:t>
+            </a:r>
+            <a:r>
+              <a:rPr lang="ru-RU" dirty="0" err="1"/>
+              <a:t>програмний</a:t>
+            </a:r>
+            <a:r>
+              <a:rPr lang="ru-RU" dirty="0"/>
+              <a:t> продукт і </a:t>
+            </a:r>
+            <a:r>
+              <a:rPr lang="ru-RU" dirty="0" err="1"/>
+              <a:t>залежності</a:t>
+            </a:r>
+            <a:r>
+              <a:rPr lang="ru-RU" dirty="0"/>
+              <a:t> </a:t>
+            </a:r>
+            <a:r>
+              <a:rPr lang="ru-RU" dirty="0" err="1"/>
+              <a:t>між</a:t>
+            </a:r>
+            <a:r>
+              <a:rPr lang="ru-RU" dirty="0"/>
+              <a:t> ними. Для </a:t>
+            </a:r>
+            <a:r>
+              <a:rPr lang="ru-RU" dirty="0" err="1"/>
+              <a:t>розробки</a:t>
+            </a:r>
+            <a:r>
+              <a:rPr lang="ru-RU" dirty="0"/>
+              <a:t> </a:t>
+            </a:r>
+            <a:r>
+              <a:rPr lang="ru-RU" dirty="0" err="1"/>
+              <a:t>даного</a:t>
+            </a:r>
+            <a:r>
+              <a:rPr lang="ru-RU" dirty="0"/>
+              <a:t> </a:t>
+            </a:r>
+            <a:r>
+              <a:rPr lang="ru-RU" dirty="0" err="1"/>
+              <a:t>програмного</a:t>
+            </a:r>
+            <a:r>
+              <a:rPr lang="ru-RU" dirty="0"/>
+              <a:t> продукту </a:t>
+            </a:r>
+            <a:r>
+              <a:rPr lang="ru-RU" dirty="0" err="1"/>
+              <a:t>було</a:t>
+            </a:r>
+            <a:r>
+              <a:rPr lang="ru-RU" dirty="0"/>
+              <a:t> </a:t>
+            </a:r>
+            <a:r>
+              <a:rPr lang="ru-RU" dirty="0" err="1"/>
+              <a:t>використано</a:t>
+            </a:r>
+            <a:r>
+              <a:rPr lang="ru-RU" dirty="0"/>
+              <a:t> </a:t>
+            </a:r>
+            <a:r>
+              <a:rPr lang="ru-RU" dirty="0" err="1"/>
+              <a:t>середовище</a:t>
+            </a:r>
+            <a:r>
+              <a:rPr lang="ru-RU" dirty="0"/>
+              <a:t> </a:t>
+            </a:r>
+            <a:r>
+              <a:rPr lang="ru-RU" dirty="0" err="1"/>
+              <a:t>розробки</a:t>
+            </a:r>
+            <a:r>
+              <a:rPr lang="ru-RU" dirty="0"/>
+              <a:t> </a:t>
+            </a:r>
+            <a:r>
+              <a:rPr lang="ru-RU" dirty="0" err="1"/>
+              <a:t>бази</a:t>
+            </a:r>
+            <a:r>
+              <a:rPr lang="ru-RU" dirty="0"/>
+              <a:t> </a:t>
+            </a:r>
+            <a:r>
+              <a:rPr lang="ru-RU" dirty="0" err="1"/>
+              <a:t>даних</a:t>
+            </a:r>
+            <a:r>
+              <a:rPr lang="ru-RU" dirty="0"/>
+              <a:t> </a:t>
+            </a:r>
+            <a:r>
+              <a:rPr lang="en-US" dirty="0" err="1"/>
+              <a:t>mySQL</a:t>
+            </a:r>
+            <a:r>
+              <a:rPr lang="en-US" dirty="0"/>
+              <a:t> workbench</a:t>
+            </a:r>
+            <a:r>
+              <a:rPr lang="ru-RU" dirty="0"/>
+              <a:t>.</a:t>
+            </a:r>
+            <a:endParaRPr lang="uk-UA" dirty="0"/>
+          </a:p>
+          <a:p>
+            <a:pPr marL="0" indent="0">
+              <a:buNone/>
+            </a:pPr>
+            <a:r>
+              <a:rPr lang="ru-RU" dirty="0" err="1"/>
+              <a:t>Електронна</a:t>
+            </a:r>
+            <a:r>
+              <a:rPr lang="ru-RU" dirty="0"/>
+              <a:t> база, </a:t>
+            </a:r>
+            <a:r>
+              <a:rPr lang="ru-RU" dirty="0" err="1"/>
+              <a:t>розроблена</a:t>
+            </a:r>
+            <a:r>
+              <a:rPr lang="ru-RU" dirty="0"/>
+              <a:t> в </a:t>
+            </a:r>
+            <a:r>
+              <a:rPr lang="ru-RU" dirty="0" err="1"/>
+              <a:t>даній</a:t>
+            </a:r>
+            <a:r>
+              <a:rPr lang="ru-RU" dirty="0"/>
+              <a:t> </a:t>
+            </a:r>
+            <a:r>
+              <a:rPr lang="ru-RU" dirty="0" err="1"/>
+              <a:t>курсовій</a:t>
+            </a:r>
+            <a:r>
+              <a:rPr lang="ru-RU" dirty="0"/>
+              <a:t> </a:t>
+            </a:r>
+            <a:r>
+              <a:rPr lang="ru-RU" dirty="0" err="1"/>
+              <a:t>роботі</a:t>
+            </a:r>
+            <a:r>
+              <a:rPr lang="ru-RU" dirty="0"/>
+              <a:t>, </a:t>
+            </a:r>
+            <a:r>
+              <a:rPr lang="ru-RU" dirty="0" err="1"/>
+              <a:t>набагато</a:t>
+            </a:r>
+            <a:r>
+              <a:rPr lang="ru-RU" dirty="0"/>
+              <a:t> </a:t>
+            </a:r>
+            <a:r>
+              <a:rPr lang="ru-RU" dirty="0" err="1"/>
+              <a:t>підвищує</a:t>
+            </a:r>
+            <a:r>
+              <a:rPr lang="ru-RU" dirty="0"/>
+              <a:t> </a:t>
+            </a:r>
+            <a:r>
+              <a:rPr lang="ru-RU" dirty="0" err="1"/>
+              <a:t>ефективність</a:t>
+            </a:r>
+            <a:r>
+              <a:rPr lang="ru-RU" dirty="0"/>
+              <a:t> </a:t>
+            </a:r>
+            <a:r>
+              <a:rPr lang="ru-RU" dirty="0" err="1"/>
+              <a:t>роботи</a:t>
+            </a:r>
+            <a:r>
+              <a:rPr lang="ru-RU" dirty="0"/>
+              <a:t> в </a:t>
+            </a:r>
+            <a:r>
+              <a:rPr lang="ru-RU" dirty="0" err="1"/>
+              <a:t>процесі</a:t>
+            </a:r>
+            <a:r>
+              <a:rPr lang="ru-RU" dirty="0"/>
+              <a:t> </a:t>
+            </a:r>
+            <a:r>
+              <a:rPr lang="ru-RU" dirty="0" err="1"/>
+              <a:t>обліку</a:t>
+            </a:r>
+            <a:r>
+              <a:rPr lang="ru-RU" dirty="0"/>
+              <a:t> </a:t>
+            </a:r>
+            <a:r>
+              <a:rPr lang="ru-RU" dirty="0" err="1"/>
+              <a:t>надання</a:t>
+            </a:r>
+            <a:r>
+              <a:rPr lang="ru-RU" dirty="0"/>
+              <a:t> </a:t>
+            </a:r>
+            <a:r>
+              <a:rPr lang="ru-RU" dirty="0" err="1"/>
+              <a:t>послуг</a:t>
+            </a:r>
+            <a:r>
+              <a:rPr lang="ru-RU" dirty="0"/>
+              <a:t> та </a:t>
+            </a:r>
+            <a:r>
+              <a:rPr lang="ru-RU" dirty="0" err="1"/>
+              <a:t>роботи</a:t>
+            </a:r>
+            <a:r>
+              <a:rPr lang="ru-RU" dirty="0"/>
+              <a:t> </a:t>
+            </a:r>
+            <a:r>
+              <a:rPr lang="ru-RU" dirty="0" err="1"/>
+              <a:t>фірми</a:t>
+            </a:r>
+            <a:r>
+              <a:rPr lang="ru-RU" dirty="0"/>
+              <a:t> </a:t>
+            </a:r>
+            <a:r>
+              <a:rPr lang="uk-UA" dirty="0"/>
+              <a:t>,що виробляє електротехніку</a:t>
+            </a:r>
+            <a:r>
+              <a:rPr lang="ru-RU" dirty="0"/>
+              <a:t>, </a:t>
+            </a:r>
+            <a:r>
+              <a:rPr lang="ru-RU" dirty="0" err="1"/>
+              <a:t>оскільки</a:t>
+            </a:r>
+            <a:r>
+              <a:rPr lang="ru-RU" dirty="0"/>
+              <a:t> </a:t>
+            </a:r>
+            <a:r>
+              <a:rPr lang="ru-RU" dirty="0" err="1"/>
+              <a:t>дозволяє</a:t>
+            </a:r>
+            <a:r>
+              <a:rPr lang="ru-RU" dirty="0"/>
+              <a:t> </a:t>
+            </a:r>
+            <a:r>
+              <a:rPr lang="ru-RU" dirty="0" err="1"/>
+              <a:t>швидко</a:t>
+            </a:r>
+            <a:r>
+              <a:rPr lang="ru-RU" dirty="0"/>
+              <a:t> </a:t>
+            </a:r>
+            <a:r>
+              <a:rPr lang="ru-RU" dirty="0" err="1"/>
+              <a:t>організувати</a:t>
+            </a:r>
+            <a:r>
+              <a:rPr lang="ru-RU" dirty="0"/>
+              <a:t> </a:t>
+            </a:r>
+            <a:r>
+              <a:rPr lang="ru-RU" dirty="0" err="1"/>
+              <a:t>пошуки</a:t>
+            </a:r>
+            <a:r>
+              <a:rPr lang="ru-RU" dirty="0"/>
+              <a:t> </a:t>
+            </a:r>
+            <a:r>
+              <a:rPr lang="ru-RU" dirty="0" err="1"/>
+              <a:t>необхідних</a:t>
+            </a:r>
+            <a:r>
+              <a:rPr lang="ru-RU" dirty="0"/>
+              <a:t> </a:t>
+            </a:r>
+            <a:r>
+              <a:rPr lang="ru-RU" dirty="0" err="1"/>
+              <a:t>послуг</a:t>
+            </a:r>
+            <a:r>
+              <a:rPr lang="ru-RU" dirty="0"/>
+              <a:t> за </a:t>
+            </a:r>
+            <a:r>
+              <a:rPr lang="ru-RU" dirty="0" err="1"/>
+              <a:t>їх</a:t>
+            </a:r>
+            <a:r>
+              <a:rPr lang="ru-RU" dirty="0"/>
+              <a:t> </a:t>
+            </a:r>
+            <a:r>
+              <a:rPr lang="ru-RU" dirty="0" err="1"/>
+              <a:t>назвами</a:t>
+            </a:r>
+            <a:r>
+              <a:rPr lang="ru-RU" dirty="0"/>
+              <a:t> </a:t>
+            </a:r>
+            <a:r>
+              <a:rPr lang="ru-RU" dirty="0" err="1"/>
+              <a:t>або</a:t>
+            </a:r>
+            <a:r>
+              <a:rPr lang="ru-RU" dirty="0"/>
+              <a:t> коду, </a:t>
+            </a:r>
+            <a:r>
+              <a:rPr lang="ru-RU" dirty="0" err="1"/>
+              <a:t>прискорився</a:t>
+            </a:r>
+            <a:r>
+              <a:rPr lang="ru-RU" dirty="0"/>
+              <a:t> </a:t>
+            </a:r>
+            <a:r>
+              <a:rPr lang="ru-RU" dirty="0" err="1"/>
+              <a:t>процес</a:t>
+            </a:r>
+            <a:r>
+              <a:rPr lang="ru-RU" dirty="0"/>
+              <a:t> </a:t>
+            </a:r>
+            <a:r>
+              <a:rPr lang="ru-RU" dirty="0" err="1"/>
+              <a:t>складання</a:t>
+            </a:r>
+            <a:r>
+              <a:rPr lang="ru-RU" dirty="0"/>
+              <a:t> </a:t>
+            </a:r>
+            <a:r>
+              <a:rPr lang="ru-RU" dirty="0" err="1"/>
+              <a:t>звітності</a:t>
+            </a:r>
+            <a:r>
+              <a:rPr lang="ru-RU" dirty="0"/>
+              <a:t>. </a:t>
+            </a:r>
+            <a:r>
+              <a:rPr lang="ru-RU" dirty="0" err="1"/>
+              <a:t>Набагато</a:t>
+            </a:r>
+            <a:r>
+              <a:rPr lang="ru-RU" dirty="0"/>
+              <a:t> </a:t>
+            </a:r>
+            <a:r>
+              <a:rPr lang="ru-RU" dirty="0" err="1"/>
+              <a:t>простіше</a:t>
+            </a:r>
+            <a:r>
+              <a:rPr lang="ru-RU" dirty="0"/>
+              <a:t> й </a:t>
+            </a:r>
+            <a:r>
+              <a:rPr lang="ru-RU" dirty="0" err="1"/>
+              <a:t>швидше</a:t>
+            </a:r>
+            <a:r>
+              <a:rPr lang="ru-RU" dirty="0"/>
+              <a:t> </a:t>
+            </a:r>
+            <a:r>
+              <a:rPr lang="ru-RU" dirty="0" err="1"/>
+              <a:t>Можна</a:t>
+            </a:r>
+            <a:r>
+              <a:rPr lang="ru-RU" dirty="0"/>
+              <a:t> </a:t>
+            </a:r>
+            <a:r>
+              <a:rPr lang="ru-RU" dirty="0" err="1"/>
+              <a:t>редагувати</a:t>
+            </a:r>
+            <a:r>
+              <a:rPr lang="ru-RU" dirty="0"/>
+              <a:t> всю </a:t>
+            </a:r>
+            <a:r>
+              <a:rPr lang="ru-RU" dirty="0" err="1"/>
+              <a:t>інформацію</a:t>
+            </a:r>
+            <a:r>
+              <a:rPr lang="ru-RU" dirty="0"/>
+              <a:t> </a:t>
+            </a:r>
+            <a:r>
+              <a:rPr lang="ru-RU" dirty="0" err="1"/>
+              <a:t>завдяки</a:t>
+            </a:r>
+            <a:r>
+              <a:rPr lang="ru-RU" dirty="0"/>
+              <a:t> </a:t>
+            </a:r>
+            <a:r>
+              <a:rPr lang="ru-RU" dirty="0" err="1"/>
+              <a:t>зручному</a:t>
+            </a:r>
+            <a:r>
+              <a:rPr lang="ru-RU" dirty="0"/>
+              <a:t> </a:t>
+            </a:r>
+            <a:r>
+              <a:rPr lang="ru-RU" dirty="0" err="1"/>
+              <a:t>інтерфейс</a:t>
+            </a:r>
+            <a:r>
+              <a:rPr lang="uk-UA" dirty="0"/>
+              <a:t>у</a:t>
+            </a:r>
+            <a:r>
+              <a:rPr lang="ru-RU" dirty="0"/>
+              <a:t>. </a:t>
+            </a:r>
+            <a:endParaRPr lang="uk-UA" dirty="0"/>
+          </a:p>
+          <a:p>
+            <a:pPr marL="0" indent="0">
+              <a:buNone/>
+            </a:pPr>
+            <a:r>
+              <a:rPr lang="ru-RU" dirty="0" err="1"/>
+              <a:t>Дану</a:t>
+            </a:r>
+            <a:r>
+              <a:rPr lang="ru-RU" dirty="0"/>
+              <a:t> базу </a:t>
+            </a:r>
+            <a:r>
+              <a:rPr lang="ru-RU" dirty="0" err="1"/>
+              <a:t>даних</a:t>
+            </a:r>
+            <a:r>
+              <a:rPr lang="ru-RU" dirty="0"/>
+              <a:t> </a:t>
+            </a:r>
+            <a:r>
+              <a:rPr lang="ru-RU" dirty="0" err="1"/>
+              <a:t>можливо</a:t>
+            </a:r>
+            <a:r>
+              <a:rPr lang="ru-RU" dirty="0"/>
+              <a:t> </a:t>
+            </a:r>
+            <a:r>
+              <a:rPr lang="ru-RU" dirty="0" err="1"/>
+              <a:t>використовувати</a:t>
+            </a:r>
+            <a:r>
+              <a:rPr lang="ru-RU" dirty="0"/>
+              <a:t> не </a:t>
+            </a:r>
+            <a:r>
+              <a:rPr lang="ru-RU" dirty="0" err="1"/>
+              <a:t>лише</a:t>
+            </a:r>
+            <a:r>
+              <a:rPr lang="ru-RU" dirty="0"/>
+              <a:t> в </a:t>
+            </a:r>
+            <a:r>
+              <a:rPr lang="ru-RU" dirty="0" err="1"/>
+              <a:t>даній</a:t>
+            </a:r>
+            <a:r>
+              <a:rPr lang="ru-RU" dirty="0"/>
+              <a:t> </a:t>
+            </a:r>
+            <a:r>
+              <a:rPr lang="ru-RU" dirty="0" err="1"/>
+              <a:t>фірмі</a:t>
+            </a:r>
+            <a:r>
+              <a:rPr lang="ru-RU" dirty="0"/>
+              <a:t>, але й </a:t>
+            </a:r>
+            <a:r>
+              <a:rPr lang="ru-RU" dirty="0" err="1"/>
+              <a:t>інших</a:t>
+            </a:r>
+            <a:r>
+              <a:rPr lang="ru-RU" dirty="0"/>
+              <a:t> </a:t>
+            </a:r>
+            <a:r>
+              <a:rPr lang="ru-RU" dirty="0" err="1"/>
+              <a:t>що</a:t>
+            </a:r>
+            <a:r>
+              <a:rPr lang="ru-RU" dirty="0"/>
+              <a:t> </a:t>
+            </a:r>
+            <a:r>
+              <a:rPr lang="ru-RU" dirty="0" err="1"/>
+              <a:t>мають</a:t>
+            </a:r>
+            <a:r>
+              <a:rPr lang="ru-RU" dirty="0"/>
+              <a:t>	, </a:t>
+            </a:r>
+            <a:r>
+              <a:rPr lang="ru-RU" dirty="0" err="1"/>
+              <a:t>які</a:t>
+            </a:r>
+            <a:r>
+              <a:rPr lang="ru-RU" dirty="0"/>
+              <a:t> </a:t>
+            </a:r>
+            <a:r>
+              <a:rPr lang="ru-RU" dirty="0" err="1"/>
+              <a:t>мають</a:t>
+            </a:r>
+            <a:r>
+              <a:rPr lang="ru-RU" dirty="0"/>
+              <a:t> </a:t>
+            </a:r>
+            <a:r>
+              <a:rPr lang="ru-RU" dirty="0" err="1"/>
+              <a:t>споріднену</a:t>
+            </a:r>
+            <a:r>
+              <a:rPr lang="ru-RU" dirty="0"/>
+              <a:t> </a:t>
+            </a:r>
+            <a:r>
+              <a:rPr lang="ru-RU" dirty="0" err="1"/>
+              <a:t>предметну</a:t>
+            </a:r>
+            <a:r>
+              <a:rPr lang="ru-RU" dirty="0"/>
+              <a:t> область – </a:t>
+            </a:r>
+            <a:r>
+              <a:rPr lang="ru-RU" dirty="0" err="1"/>
+              <a:t>тобто</a:t>
+            </a:r>
+            <a:r>
+              <a:rPr lang="ru-RU" dirty="0"/>
+              <a:t>, </a:t>
+            </a:r>
+            <a:r>
+              <a:rPr lang="ru-RU" dirty="0" err="1"/>
+              <a:t>які</a:t>
+            </a:r>
+            <a:r>
+              <a:rPr lang="ru-RU" dirty="0"/>
+              <a:t> </a:t>
+            </a:r>
+            <a:r>
+              <a:rPr lang="ru-RU" dirty="0" err="1"/>
+              <a:t>надають</a:t>
+            </a:r>
+            <a:r>
+              <a:rPr lang="ru-RU" dirty="0"/>
+              <a:t> </a:t>
+            </a:r>
+            <a:r>
+              <a:rPr lang="ru-RU" dirty="0" err="1"/>
+              <a:t>певні</a:t>
+            </a:r>
+            <a:r>
+              <a:rPr lang="ru-RU" dirty="0"/>
+              <a:t> </a:t>
+            </a:r>
+            <a:r>
+              <a:rPr lang="ru-RU" dirty="0" err="1"/>
+              <a:t>послуги</a:t>
+            </a:r>
+            <a:r>
+              <a:rPr lang="ru-RU" dirty="0"/>
+              <a:t> </a:t>
+            </a:r>
+            <a:r>
+              <a:rPr lang="ru-RU" dirty="0" err="1"/>
+              <a:t>інтернет</a:t>
+            </a:r>
+            <a:r>
+              <a:rPr lang="ru-RU" dirty="0"/>
+              <a:t> </a:t>
+            </a:r>
+            <a:r>
+              <a:rPr lang="ru-RU" dirty="0" err="1"/>
+              <a:t>ресурсів</a:t>
+            </a:r>
+            <a:r>
+              <a:rPr lang="ru-RU" dirty="0"/>
+              <a:t> </a:t>
+            </a:r>
+            <a:r>
+              <a:rPr lang="ru-RU" dirty="0" err="1"/>
+              <a:t>або</a:t>
+            </a:r>
+            <a:r>
+              <a:rPr lang="ru-RU" dirty="0"/>
+              <a:t> будь-</a:t>
+            </a:r>
+            <a:r>
+              <a:rPr lang="ru-RU" dirty="0" err="1"/>
+              <a:t>яких</a:t>
+            </a:r>
+            <a:r>
+              <a:rPr lang="ru-RU" dirty="0"/>
+              <a:t> </a:t>
+            </a:r>
+            <a:r>
+              <a:rPr lang="ru-RU" dirty="0" err="1"/>
+              <a:t>інших</a:t>
+            </a:r>
+            <a:r>
+              <a:rPr lang="ru-RU" dirty="0"/>
+              <a:t>.</a:t>
+            </a:r>
+            <a:endParaRPr lang="uk-UA" dirty="0"/>
+          </a:p>
+          <a:p>
+            <a:pPr marL="0" indent="0">
+              <a:buNone/>
+            </a:pPr>
             <a:endParaRPr lang="uk-UA" dirty="0"/>
           </a:p>
         </p:txBody>
@@ -4613,6 +5481,13 @@
   <p:clrMapOvr>
     <a:masterClrMapping/>
   </p:clrMapOvr>
+  <p:timing>
+    <p:tnLst>
+      <p:par>
+        <p:cTn id="1" dur="indefinite" restart="never" nodeType="tmRoot"/>
+      </p:par>
+    </p:tnLst>
+  </p:timing>
 </p:sld>
 </file>
 
